--- a/Equinox_Presentation.pptx
+++ b/Equinox_Presentation.pptx
@@ -13,6 +13,11 @@
     <p:sldId id="261" r:id="rId7"/>
     <p:sldId id="262" r:id="rId8"/>
     <p:sldId id="263" r:id="rId9"/>
+    <p:sldId id="268" r:id="rId10"/>
+    <p:sldId id="264" r:id="rId11"/>
+    <p:sldId id="265" r:id="rId12"/>
+    <p:sldId id="266" r:id="rId13"/>
+    <p:sldId id="267" r:id="rId14"/>
   </p:sldIdLst>
   <p:sldSz cx="12192000" cy="6858000"/>
   <p:notesSz cx="6858000" cy="9144000"/>
@@ -111,6 +116,11 @@
       </a:defRPr>
     </a:lvl9pPr>
   </p:defaultTextStyle>
+  <p:extLst>
+    <p:ext uri="{EFAFB233-063F-42B5-8137-9DF3F51BA10A}">
+      <p15:sldGuideLst xmlns:p15="http://schemas.microsoft.com/office/powerpoint/2012/main"/>
+    </p:ext>
+  </p:extLst>
 </p:presentation>
 </file>
 
@@ -261,7 +271,7 @@
           <a:p>
             <a:fld id="{BABEF3DF-9A28-FD47-B09A-911DA9D6C31E}" type="datetimeFigureOut">
               <a:rPr lang="en-US" smtClean="0"/>
-              <a:t>4/30/21</a:t>
+              <a:t>5/1/2021</a:t>
             </a:fld>
             <a:endParaRPr lang="en-US"/>
           </a:p>
@@ -459,7 +469,7 @@
           <a:p>
             <a:fld id="{BABEF3DF-9A28-FD47-B09A-911DA9D6C31E}" type="datetimeFigureOut">
               <a:rPr lang="en-US" smtClean="0"/>
-              <a:t>4/30/21</a:t>
+              <a:t>5/1/2021</a:t>
             </a:fld>
             <a:endParaRPr lang="en-US"/>
           </a:p>
@@ -667,7 +677,7 @@
           <a:p>
             <a:fld id="{BABEF3DF-9A28-FD47-B09A-911DA9D6C31E}" type="datetimeFigureOut">
               <a:rPr lang="en-US" smtClean="0"/>
-              <a:t>4/30/21</a:t>
+              <a:t>5/1/2021</a:t>
             </a:fld>
             <a:endParaRPr lang="en-US"/>
           </a:p>
@@ -865,7 +875,7 @@
           <a:p>
             <a:fld id="{BABEF3DF-9A28-FD47-B09A-911DA9D6C31E}" type="datetimeFigureOut">
               <a:rPr lang="en-US" smtClean="0"/>
-              <a:t>4/30/21</a:t>
+              <a:t>5/1/2021</a:t>
             </a:fld>
             <a:endParaRPr lang="en-US"/>
           </a:p>
@@ -1140,7 +1150,7 @@
           <a:p>
             <a:fld id="{BABEF3DF-9A28-FD47-B09A-911DA9D6C31E}" type="datetimeFigureOut">
               <a:rPr lang="en-US" smtClean="0"/>
-              <a:t>4/30/21</a:t>
+              <a:t>5/1/2021</a:t>
             </a:fld>
             <a:endParaRPr lang="en-US"/>
           </a:p>
@@ -1405,7 +1415,7 @@
           <a:p>
             <a:fld id="{BABEF3DF-9A28-FD47-B09A-911DA9D6C31E}" type="datetimeFigureOut">
               <a:rPr lang="en-US" smtClean="0"/>
-              <a:t>4/30/21</a:t>
+              <a:t>5/1/2021</a:t>
             </a:fld>
             <a:endParaRPr lang="en-US"/>
           </a:p>
@@ -1817,7 +1827,7 @@
           <a:p>
             <a:fld id="{BABEF3DF-9A28-FD47-B09A-911DA9D6C31E}" type="datetimeFigureOut">
               <a:rPr lang="en-US" smtClean="0"/>
-              <a:t>4/30/21</a:t>
+              <a:t>5/1/2021</a:t>
             </a:fld>
             <a:endParaRPr lang="en-US"/>
           </a:p>
@@ -1958,7 +1968,7 @@
           <a:p>
             <a:fld id="{BABEF3DF-9A28-FD47-B09A-911DA9D6C31E}" type="datetimeFigureOut">
               <a:rPr lang="en-US" smtClean="0"/>
-              <a:t>4/30/21</a:t>
+              <a:t>5/1/2021</a:t>
             </a:fld>
             <a:endParaRPr lang="en-US"/>
           </a:p>
@@ -2071,7 +2081,7 @@
           <a:p>
             <a:fld id="{BABEF3DF-9A28-FD47-B09A-911DA9D6C31E}" type="datetimeFigureOut">
               <a:rPr lang="en-US" smtClean="0"/>
-              <a:t>4/30/21</a:t>
+              <a:t>5/1/2021</a:t>
             </a:fld>
             <a:endParaRPr lang="en-US"/>
           </a:p>
@@ -2382,7 +2392,7 @@
           <a:p>
             <a:fld id="{BABEF3DF-9A28-FD47-B09A-911DA9D6C31E}" type="datetimeFigureOut">
               <a:rPr lang="en-US" smtClean="0"/>
-              <a:t>4/30/21</a:t>
+              <a:t>5/1/2021</a:t>
             </a:fld>
             <a:endParaRPr lang="en-US"/>
           </a:p>
@@ -2670,7 +2680,7 @@
           <a:p>
             <a:fld id="{BABEF3DF-9A28-FD47-B09A-911DA9D6C31E}" type="datetimeFigureOut">
               <a:rPr lang="en-US" smtClean="0"/>
-              <a:t>4/30/21</a:t>
+              <a:t>5/1/2021</a:t>
             </a:fld>
             <a:endParaRPr lang="en-US"/>
           </a:p>
@@ -2911,7 +2921,7 @@
           <a:p>
             <a:fld id="{BABEF3DF-9A28-FD47-B09A-911DA9D6C31E}" type="datetimeFigureOut">
               <a:rPr lang="en-US" smtClean="0"/>
-              <a:t>4/30/21</a:t>
+              <a:t>5/1/2021</a:t>
             </a:fld>
             <a:endParaRPr lang="en-US"/>
           </a:p>
@@ -4013,6 +4023,354 @@
 </p:sld>
 </file>
 
+<file path=ppt/slides/slide10.xml><?xml version="1.0" encoding="utf-8"?>
+<p:sld xmlns:a="http://schemas.openxmlformats.org/drawingml/2006/main" xmlns:r="http://schemas.openxmlformats.org/officeDocument/2006/relationships" xmlns:p="http://schemas.openxmlformats.org/presentationml/2006/main">
+  <p:cSld>
+    <p:spTree>
+      <p:nvGrpSpPr>
+        <p:cNvPr id="1" name=""/>
+        <p:cNvGrpSpPr/>
+        <p:nvPr/>
+      </p:nvGrpSpPr>
+      <p:grpSpPr>
+        <a:xfrm>
+          <a:off x="0" y="0"/>
+          <a:ext cx="0" cy="0"/>
+          <a:chOff x="0" y="0"/>
+          <a:chExt cx="0" cy="0"/>
+        </a:xfrm>
+      </p:grpSpPr>
+      <p:sp>
+        <p:nvSpPr>
+          <p:cNvPr id="2" name="Title 1">
+            <a:extLst>
+              <a:ext uri="{FF2B5EF4-FFF2-40B4-BE49-F238E27FC236}">
+                <a16:creationId xmlns:a16="http://schemas.microsoft.com/office/drawing/2014/main" id="{8EEA1DBF-2955-47B1-9755-AC2A25A14966}"/>
+              </a:ext>
+            </a:extLst>
+          </p:cNvPr>
+          <p:cNvSpPr>
+            <a:spLocks noGrp="1"/>
+          </p:cNvSpPr>
+          <p:nvPr>
+            <p:ph type="title"/>
+          </p:nvPr>
+        </p:nvSpPr>
+        <p:spPr/>
+        <p:txBody>
+          <a:bodyPr/>
+          <a:lstStyle/>
+          <a:p>
+            <a:r>
+              <a:rPr lang="en-US" dirty="0"/>
+              <a:t>UI – Home page</a:t>
+            </a:r>
+          </a:p>
+        </p:txBody>
+      </p:sp>
+      <p:pic>
+        <p:nvPicPr>
+          <p:cNvPr id="5" name="Content Placeholder 4" descr="Graphical user interface&#10;&#10;Description automatically generated">
+            <a:extLst>
+              <a:ext uri="{FF2B5EF4-FFF2-40B4-BE49-F238E27FC236}">
+                <a16:creationId xmlns:a16="http://schemas.microsoft.com/office/drawing/2014/main" id="{A1279BCA-FA54-418A-AF9B-296C9464EFF9}"/>
+              </a:ext>
+            </a:extLst>
+          </p:cNvPr>
+          <p:cNvPicPr>
+            <a:picLocks noGrp="1" noChangeAspect="1"/>
+          </p:cNvPicPr>
+          <p:nvPr>
+            <p:ph idx="1"/>
+          </p:nvPr>
+        </p:nvPicPr>
+        <p:blipFill>
+          <a:blip r:embed="rId2"/>
+          <a:stretch>
+            <a:fillRect/>
+          </a:stretch>
+        </p:blipFill>
+        <p:spPr>
+          <a:xfrm>
+            <a:off x="1996604" y="1825625"/>
+            <a:ext cx="8198791" cy="4351338"/>
+          </a:xfrm>
+        </p:spPr>
+      </p:pic>
+    </p:spTree>
+    <p:extLst>
+      <p:ext uri="{BB962C8B-B14F-4D97-AF65-F5344CB8AC3E}">
+        <p14:creationId xmlns:p14="http://schemas.microsoft.com/office/powerpoint/2010/main" val="3064369354"/>
+      </p:ext>
+    </p:extLst>
+  </p:cSld>
+  <p:clrMapOvr>
+    <a:masterClrMapping/>
+  </p:clrMapOvr>
+</p:sld>
+</file>
+
+<file path=ppt/slides/slide11.xml><?xml version="1.0" encoding="utf-8"?>
+<p:sld xmlns:a="http://schemas.openxmlformats.org/drawingml/2006/main" xmlns:r="http://schemas.openxmlformats.org/officeDocument/2006/relationships" xmlns:p="http://schemas.openxmlformats.org/presentationml/2006/main">
+  <p:cSld>
+    <p:spTree>
+      <p:nvGrpSpPr>
+        <p:cNvPr id="1" name=""/>
+        <p:cNvGrpSpPr/>
+        <p:nvPr/>
+      </p:nvGrpSpPr>
+      <p:grpSpPr>
+        <a:xfrm>
+          <a:off x="0" y="0"/>
+          <a:ext cx="0" cy="0"/>
+          <a:chOff x="0" y="0"/>
+          <a:chExt cx="0" cy="0"/>
+        </a:xfrm>
+      </p:grpSpPr>
+      <p:sp>
+        <p:nvSpPr>
+          <p:cNvPr id="2" name="Title 1">
+            <a:extLst>
+              <a:ext uri="{FF2B5EF4-FFF2-40B4-BE49-F238E27FC236}">
+                <a16:creationId xmlns:a16="http://schemas.microsoft.com/office/drawing/2014/main" id="{7FC68995-F9B0-4E64-9400-1DC82883A6A1}"/>
+              </a:ext>
+            </a:extLst>
+          </p:cNvPr>
+          <p:cNvSpPr>
+            <a:spLocks noGrp="1"/>
+          </p:cNvSpPr>
+          <p:nvPr>
+            <p:ph type="title"/>
+          </p:nvPr>
+        </p:nvSpPr>
+        <p:spPr/>
+        <p:txBody>
+          <a:bodyPr/>
+          <a:lstStyle/>
+          <a:p>
+            <a:r>
+              <a:rPr lang="en-US" dirty="0"/>
+              <a:t>UI – Menu</a:t>
+            </a:r>
+          </a:p>
+        </p:txBody>
+      </p:sp>
+      <p:pic>
+        <p:nvPicPr>
+          <p:cNvPr id="5" name="Content Placeholder 4" descr="Graphical user interface, text, application&#10;&#10;Description automatically generated">
+            <a:extLst>
+              <a:ext uri="{FF2B5EF4-FFF2-40B4-BE49-F238E27FC236}">
+                <a16:creationId xmlns:a16="http://schemas.microsoft.com/office/drawing/2014/main" id="{2A6B46D7-F289-4FA5-B230-20B6BDBE2738}"/>
+              </a:ext>
+            </a:extLst>
+          </p:cNvPr>
+          <p:cNvPicPr>
+            <a:picLocks noGrp="1" noChangeAspect="1"/>
+          </p:cNvPicPr>
+          <p:nvPr>
+            <p:ph idx="1"/>
+          </p:nvPr>
+        </p:nvPicPr>
+        <p:blipFill>
+          <a:blip r:embed="rId2"/>
+          <a:stretch>
+            <a:fillRect/>
+          </a:stretch>
+        </p:blipFill>
+        <p:spPr>
+          <a:xfrm>
+            <a:off x="2006765" y="1825625"/>
+            <a:ext cx="8178469" cy="4351338"/>
+          </a:xfrm>
+        </p:spPr>
+      </p:pic>
+    </p:spTree>
+    <p:extLst>
+      <p:ext uri="{BB962C8B-B14F-4D97-AF65-F5344CB8AC3E}">
+        <p14:creationId xmlns:p14="http://schemas.microsoft.com/office/powerpoint/2010/main" val="3158551176"/>
+      </p:ext>
+    </p:extLst>
+  </p:cSld>
+  <p:clrMapOvr>
+    <a:masterClrMapping/>
+  </p:clrMapOvr>
+</p:sld>
+</file>
+
+<file path=ppt/slides/slide12.xml><?xml version="1.0" encoding="utf-8"?>
+<p:sld xmlns:a="http://schemas.openxmlformats.org/drawingml/2006/main" xmlns:r="http://schemas.openxmlformats.org/officeDocument/2006/relationships" xmlns:p="http://schemas.openxmlformats.org/presentationml/2006/main">
+  <p:cSld>
+    <p:spTree>
+      <p:nvGrpSpPr>
+        <p:cNvPr id="1" name=""/>
+        <p:cNvGrpSpPr/>
+        <p:nvPr/>
+      </p:nvGrpSpPr>
+      <p:grpSpPr>
+        <a:xfrm>
+          <a:off x="0" y="0"/>
+          <a:ext cx="0" cy="0"/>
+          <a:chOff x="0" y="0"/>
+          <a:chExt cx="0" cy="0"/>
+        </a:xfrm>
+      </p:grpSpPr>
+      <p:sp>
+        <p:nvSpPr>
+          <p:cNvPr id="2" name="Title 1">
+            <a:extLst>
+              <a:ext uri="{FF2B5EF4-FFF2-40B4-BE49-F238E27FC236}">
+                <a16:creationId xmlns:a16="http://schemas.microsoft.com/office/drawing/2014/main" id="{1D313705-BAE8-4C9A-B691-6AD89FAB78BB}"/>
+              </a:ext>
+            </a:extLst>
+          </p:cNvPr>
+          <p:cNvSpPr>
+            <a:spLocks noGrp="1"/>
+          </p:cNvSpPr>
+          <p:nvPr>
+            <p:ph type="title"/>
+          </p:nvPr>
+        </p:nvSpPr>
+        <p:spPr/>
+        <p:txBody>
+          <a:bodyPr/>
+          <a:lstStyle/>
+          <a:p>
+            <a:r>
+              <a:rPr lang="en-US" dirty="0"/>
+              <a:t>UI – Stats page</a:t>
+            </a:r>
+          </a:p>
+        </p:txBody>
+      </p:sp>
+      <p:pic>
+        <p:nvPicPr>
+          <p:cNvPr id="5" name="Content Placeholder 4" descr="Graphical user interface, text, application&#10;&#10;Description automatically generated">
+            <a:extLst>
+              <a:ext uri="{FF2B5EF4-FFF2-40B4-BE49-F238E27FC236}">
+                <a16:creationId xmlns:a16="http://schemas.microsoft.com/office/drawing/2014/main" id="{C77C2836-6257-494F-8DE5-49B58AD4E32E}"/>
+              </a:ext>
+            </a:extLst>
+          </p:cNvPr>
+          <p:cNvPicPr>
+            <a:picLocks noGrp="1" noChangeAspect="1"/>
+          </p:cNvPicPr>
+          <p:nvPr>
+            <p:ph idx="1"/>
+          </p:nvPr>
+        </p:nvPicPr>
+        <p:blipFill>
+          <a:blip r:embed="rId2"/>
+          <a:stretch>
+            <a:fillRect/>
+          </a:stretch>
+        </p:blipFill>
+        <p:spPr>
+          <a:xfrm>
+            <a:off x="2000623" y="1825625"/>
+            <a:ext cx="8190754" cy="4351338"/>
+          </a:xfrm>
+        </p:spPr>
+      </p:pic>
+    </p:spTree>
+    <p:extLst>
+      <p:ext uri="{BB962C8B-B14F-4D97-AF65-F5344CB8AC3E}">
+        <p14:creationId xmlns:p14="http://schemas.microsoft.com/office/powerpoint/2010/main" val="1178058308"/>
+      </p:ext>
+    </p:extLst>
+  </p:cSld>
+  <p:clrMapOvr>
+    <a:masterClrMapping/>
+  </p:clrMapOvr>
+</p:sld>
+</file>
+
+<file path=ppt/slides/slide13.xml><?xml version="1.0" encoding="utf-8"?>
+<p:sld xmlns:a="http://schemas.openxmlformats.org/drawingml/2006/main" xmlns:r="http://schemas.openxmlformats.org/officeDocument/2006/relationships" xmlns:p="http://schemas.openxmlformats.org/presentationml/2006/main">
+  <p:cSld>
+    <p:spTree>
+      <p:nvGrpSpPr>
+        <p:cNvPr id="1" name=""/>
+        <p:cNvGrpSpPr/>
+        <p:nvPr/>
+      </p:nvGrpSpPr>
+      <p:grpSpPr>
+        <a:xfrm>
+          <a:off x="0" y="0"/>
+          <a:ext cx="0" cy="0"/>
+          <a:chOff x="0" y="0"/>
+          <a:chExt cx="0" cy="0"/>
+        </a:xfrm>
+      </p:grpSpPr>
+      <p:sp>
+        <p:nvSpPr>
+          <p:cNvPr id="2" name="Title 1">
+            <a:extLst>
+              <a:ext uri="{FF2B5EF4-FFF2-40B4-BE49-F238E27FC236}">
+                <a16:creationId xmlns:a16="http://schemas.microsoft.com/office/drawing/2014/main" id="{1923C4C4-C0A6-4E59-BA2E-5DE6876E3B39}"/>
+              </a:ext>
+            </a:extLst>
+          </p:cNvPr>
+          <p:cNvSpPr>
+            <a:spLocks noGrp="1"/>
+          </p:cNvSpPr>
+          <p:nvPr>
+            <p:ph type="title"/>
+          </p:nvPr>
+        </p:nvSpPr>
+        <p:spPr/>
+        <p:txBody>
+          <a:bodyPr/>
+          <a:lstStyle/>
+          <a:p>
+            <a:r>
+              <a:rPr lang="en-US" dirty="0"/>
+              <a:t>UI – Findings page</a:t>
+            </a:r>
+          </a:p>
+        </p:txBody>
+      </p:sp>
+      <p:pic>
+        <p:nvPicPr>
+          <p:cNvPr id="5" name="Content Placeholder 4" descr="Graphical user interface, text, application&#10;&#10;Description automatically generated">
+            <a:extLst>
+              <a:ext uri="{FF2B5EF4-FFF2-40B4-BE49-F238E27FC236}">
+                <a16:creationId xmlns:a16="http://schemas.microsoft.com/office/drawing/2014/main" id="{E569A64C-C447-4D2A-82C2-7A34554FA11E}"/>
+              </a:ext>
+            </a:extLst>
+          </p:cNvPr>
+          <p:cNvPicPr>
+            <a:picLocks noGrp="1" noChangeAspect="1"/>
+          </p:cNvPicPr>
+          <p:nvPr>
+            <p:ph idx="1"/>
+          </p:nvPr>
+        </p:nvPicPr>
+        <p:blipFill>
+          <a:blip r:embed="rId2"/>
+          <a:stretch>
+            <a:fillRect/>
+          </a:stretch>
+        </p:blipFill>
+        <p:spPr>
+          <a:xfrm>
+            <a:off x="1992577" y="1825625"/>
+            <a:ext cx="8206846" cy="4351338"/>
+          </a:xfrm>
+        </p:spPr>
+      </p:pic>
+    </p:spTree>
+    <p:extLst>
+      <p:ext uri="{BB962C8B-B14F-4D97-AF65-F5344CB8AC3E}">
+        <p14:creationId xmlns:p14="http://schemas.microsoft.com/office/powerpoint/2010/main" val="1422245529"/>
+      </p:ext>
+    </p:extLst>
+  </p:cSld>
+  <p:clrMapOvr>
+    <a:masterClrMapping/>
+  </p:clrMapOvr>
+</p:sld>
+</file>
+
 <file path=ppt/slides/slide2.xml><?xml version="1.0" encoding="utf-8"?>
 <p:sld xmlns:a="http://schemas.openxmlformats.org/drawingml/2006/main" xmlns:r="http://schemas.openxmlformats.org/officeDocument/2006/relationships" xmlns:p="http://schemas.openxmlformats.org/presentationml/2006/main">
   <p:cSld>
@@ -4626,6 +4984,125 @@
     <p:extLst>
       <p:ext uri="{BB962C8B-B14F-4D97-AF65-F5344CB8AC3E}">
         <p14:creationId xmlns:p14="http://schemas.microsoft.com/office/powerpoint/2010/main" val="145470210"/>
+      </p:ext>
+    </p:extLst>
+  </p:cSld>
+  <p:clrMapOvr>
+    <a:masterClrMapping/>
+  </p:clrMapOvr>
+</p:sld>
+</file>
+
+<file path=ppt/slides/slide9.xml><?xml version="1.0" encoding="utf-8"?>
+<p:sld xmlns:a="http://schemas.openxmlformats.org/drawingml/2006/main" xmlns:r="http://schemas.openxmlformats.org/officeDocument/2006/relationships" xmlns:p="http://schemas.openxmlformats.org/presentationml/2006/main">
+  <p:cSld>
+    <p:spTree>
+      <p:nvGrpSpPr>
+        <p:cNvPr id="1" name=""/>
+        <p:cNvGrpSpPr/>
+        <p:nvPr/>
+      </p:nvGrpSpPr>
+      <p:grpSpPr>
+        <a:xfrm>
+          <a:off x="0" y="0"/>
+          <a:ext cx="0" cy="0"/>
+          <a:chOff x="0" y="0"/>
+          <a:chExt cx="0" cy="0"/>
+        </a:xfrm>
+      </p:grpSpPr>
+      <p:sp>
+        <p:nvSpPr>
+          <p:cNvPr id="2" name="Title 1">
+            <a:extLst>
+              <a:ext uri="{FF2B5EF4-FFF2-40B4-BE49-F238E27FC236}">
+                <a16:creationId xmlns:a16="http://schemas.microsoft.com/office/drawing/2014/main" id="{A86BCDD1-209F-4A0C-9C90-D2D25C820170}"/>
+              </a:ext>
+            </a:extLst>
+          </p:cNvPr>
+          <p:cNvSpPr>
+            <a:spLocks noGrp="1"/>
+          </p:cNvSpPr>
+          <p:nvPr>
+            <p:ph type="title"/>
+          </p:nvPr>
+        </p:nvSpPr>
+        <p:spPr/>
+        <p:txBody>
+          <a:bodyPr/>
+          <a:lstStyle/>
+          <a:p>
+            <a:r>
+              <a:rPr lang="en-US" dirty="0"/>
+              <a:t>UI</a:t>
+            </a:r>
+          </a:p>
+        </p:txBody>
+      </p:sp>
+      <p:sp>
+        <p:nvSpPr>
+          <p:cNvPr id="3" name="Content Placeholder 2">
+            <a:extLst>
+              <a:ext uri="{FF2B5EF4-FFF2-40B4-BE49-F238E27FC236}">
+                <a16:creationId xmlns:a16="http://schemas.microsoft.com/office/drawing/2014/main" id="{36C856F0-9F07-4373-8F67-80B33733DC90}"/>
+              </a:ext>
+            </a:extLst>
+          </p:cNvPr>
+          <p:cNvSpPr>
+            <a:spLocks noGrp="1"/>
+          </p:cNvSpPr>
+          <p:nvPr>
+            <p:ph idx="1"/>
+          </p:nvPr>
+        </p:nvSpPr>
+        <p:spPr/>
+        <p:txBody>
+          <a:bodyPr/>
+          <a:lstStyle/>
+          <a:p>
+            <a:r>
+              <a:rPr lang="en-US" dirty="0"/>
+              <a:t>UI was created separately on Windows 10 with the latest version of Flutter (</a:t>
+            </a:r>
+            <a:r>
+              <a:rPr lang="en-US" dirty="0">
+                <a:hlinkClick r:id="rId2"/>
+              </a:rPr>
+              <a:t>https://flutter.dev/</a:t>
+            </a:r>
+            <a:r>
+              <a:rPr lang="en-US" dirty="0"/>
+              <a:t>).</a:t>
+            </a:r>
+          </a:p>
+          <a:p>
+            <a:r>
+              <a:rPr lang="en-US" dirty="0"/>
+              <a:t>Plan was to provide an interface to better display statistics and findings of the scans/pictures. </a:t>
+            </a:r>
+          </a:p>
+          <a:p>
+            <a:r>
+              <a:rPr lang="en-US" dirty="0"/>
+              <a:t>Another planned feature was to allow the download of these as well.</a:t>
+            </a:r>
+          </a:p>
+          <a:p>
+            <a:r>
+              <a:rPr lang="en-US" dirty="0"/>
+              <a:t>Home page was meant to show a view of a camera and detect objects from there so they can be processed/coordinated with OpenCV </a:t>
+            </a:r>
+            <a:r>
+              <a:rPr lang="en-US"/>
+              <a:t>and model.</a:t>
+            </a:r>
+            <a:endParaRPr lang="en-US" dirty="0"/>
+          </a:p>
+        </p:txBody>
+      </p:sp>
+    </p:spTree>
+    <p:extLst>
+      <p:ext uri="{BB962C8B-B14F-4D97-AF65-F5344CB8AC3E}">
+        <p14:creationId xmlns:p14="http://schemas.microsoft.com/office/powerpoint/2010/main" val="1340263466"/>
       </p:ext>
     </p:extLst>
   </p:cSld>

--- a/Equinox_Presentation.pptx
+++ b/Equinox_Presentation.pptx
@@ -13,11 +13,8 @@
     <p:sldId id="261" r:id="rId7"/>
     <p:sldId id="262" r:id="rId8"/>
     <p:sldId id="263" r:id="rId9"/>
-    <p:sldId id="268" r:id="rId10"/>
-    <p:sldId id="264" r:id="rId11"/>
-    <p:sldId id="265" r:id="rId12"/>
-    <p:sldId id="266" r:id="rId13"/>
-    <p:sldId id="267" r:id="rId14"/>
+    <p:sldId id="264" r:id="rId10"/>
+    <p:sldId id="265" r:id="rId11"/>
   </p:sldIdLst>
   <p:sldSz cx="12192000" cy="6858000"/>
   <p:notesSz cx="6858000" cy="9144000"/>
@@ -271,7 +268,7 @@
           <a:p>
             <a:fld id="{BABEF3DF-9A28-FD47-B09A-911DA9D6C31E}" type="datetimeFigureOut">
               <a:rPr lang="en-US" smtClean="0"/>
-              <a:t>5/1/2021</a:t>
+              <a:t>5/2/2021</a:t>
             </a:fld>
             <a:endParaRPr lang="en-US"/>
           </a:p>
@@ -469,7 +466,7 @@
           <a:p>
             <a:fld id="{BABEF3DF-9A28-FD47-B09A-911DA9D6C31E}" type="datetimeFigureOut">
               <a:rPr lang="en-US" smtClean="0"/>
-              <a:t>5/1/2021</a:t>
+              <a:t>5/2/2021</a:t>
             </a:fld>
             <a:endParaRPr lang="en-US"/>
           </a:p>
@@ -677,7 +674,7 @@
           <a:p>
             <a:fld id="{BABEF3DF-9A28-FD47-B09A-911DA9D6C31E}" type="datetimeFigureOut">
               <a:rPr lang="en-US" smtClean="0"/>
-              <a:t>5/1/2021</a:t>
+              <a:t>5/2/2021</a:t>
             </a:fld>
             <a:endParaRPr lang="en-US"/>
           </a:p>
@@ -875,7 +872,7 @@
           <a:p>
             <a:fld id="{BABEF3DF-9A28-FD47-B09A-911DA9D6C31E}" type="datetimeFigureOut">
               <a:rPr lang="en-US" smtClean="0"/>
-              <a:t>5/1/2021</a:t>
+              <a:t>5/2/2021</a:t>
             </a:fld>
             <a:endParaRPr lang="en-US"/>
           </a:p>
@@ -1150,7 +1147,7 @@
           <a:p>
             <a:fld id="{BABEF3DF-9A28-FD47-B09A-911DA9D6C31E}" type="datetimeFigureOut">
               <a:rPr lang="en-US" smtClean="0"/>
-              <a:t>5/1/2021</a:t>
+              <a:t>5/2/2021</a:t>
             </a:fld>
             <a:endParaRPr lang="en-US"/>
           </a:p>
@@ -1415,7 +1412,7 @@
           <a:p>
             <a:fld id="{BABEF3DF-9A28-FD47-B09A-911DA9D6C31E}" type="datetimeFigureOut">
               <a:rPr lang="en-US" smtClean="0"/>
-              <a:t>5/1/2021</a:t>
+              <a:t>5/2/2021</a:t>
             </a:fld>
             <a:endParaRPr lang="en-US"/>
           </a:p>
@@ -1827,7 +1824,7 @@
           <a:p>
             <a:fld id="{BABEF3DF-9A28-FD47-B09A-911DA9D6C31E}" type="datetimeFigureOut">
               <a:rPr lang="en-US" smtClean="0"/>
-              <a:t>5/1/2021</a:t>
+              <a:t>5/2/2021</a:t>
             </a:fld>
             <a:endParaRPr lang="en-US"/>
           </a:p>
@@ -1968,7 +1965,7 @@
           <a:p>
             <a:fld id="{BABEF3DF-9A28-FD47-B09A-911DA9D6C31E}" type="datetimeFigureOut">
               <a:rPr lang="en-US" smtClean="0"/>
-              <a:t>5/1/2021</a:t>
+              <a:t>5/2/2021</a:t>
             </a:fld>
             <a:endParaRPr lang="en-US"/>
           </a:p>
@@ -2081,7 +2078,7 @@
           <a:p>
             <a:fld id="{BABEF3DF-9A28-FD47-B09A-911DA9D6C31E}" type="datetimeFigureOut">
               <a:rPr lang="en-US" smtClean="0"/>
-              <a:t>5/1/2021</a:t>
+              <a:t>5/2/2021</a:t>
             </a:fld>
             <a:endParaRPr lang="en-US"/>
           </a:p>
@@ -2392,7 +2389,7 @@
           <a:p>
             <a:fld id="{BABEF3DF-9A28-FD47-B09A-911DA9D6C31E}" type="datetimeFigureOut">
               <a:rPr lang="en-US" smtClean="0"/>
-              <a:t>5/1/2021</a:t>
+              <a:t>5/2/2021</a:t>
             </a:fld>
             <a:endParaRPr lang="en-US"/>
           </a:p>
@@ -2680,7 +2677,7 @@
           <a:p>
             <a:fld id="{BABEF3DF-9A28-FD47-B09A-911DA9D6C31E}" type="datetimeFigureOut">
               <a:rPr lang="en-US" smtClean="0"/>
-              <a:t>5/1/2021</a:t>
+              <a:t>5/2/2021</a:t>
             </a:fld>
             <a:endParaRPr lang="en-US"/>
           </a:p>
@@ -2921,7 +2918,7 @@
           <a:p>
             <a:fld id="{BABEF3DF-9A28-FD47-B09A-911DA9D6C31E}" type="datetimeFigureOut">
               <a:rPr lang="en-US" smtClean="0"/>
-              <a:t>5/1/2021</a:t>
+              <a:t>5/2/2021</a:t>
             </a:fld>
             <a:endParaRPr lang="en-US"/>
           </a:p>
@@ -3839,47 +3836,6 @@
           </a:p>
         </p:txBody>
       </p:sp>
-      <p:sp>
-        <p:nvSpPr>
-          <p:cNvPr id="5" name="TextBox 4">
-            <a:extLst>
-              <a:ext uri="{FF2B5EF4-FFF2-40B4-BE49-F238E27FC236}">
-                <a16:creationId xmlns:a16="http://schemas.microsoft.com/office/drawing/2014/main" id="{2A393D1E-5A1D-F640-B729-5689D593C896}"/>
-              </a:ext>
-            </a:extLst>
-          </p:cNvPr>
-          <p:cNvSpPr txBox="1"/>
-          <p:nvPr/>
-        </p:nvSpPr>
-        <p:spPr>
-          <a:xfrm>
-            <a:off x="735495" y="6596390"/>
-            <a:ext cx="1911101" cy="261610"/>
-          </a:xfrm>
-          <a:prstGeom prst="rect">
-            <a:avLst/>
-          </a:prstGeom>
-          <a:noFill/>
-        </p:spPr>
-        <p:txBody>
-          <a:bodyPr wrap="none" rtlCol="0">
-            <a:spAutoFit/>
-          </a:bodyPr>
-          <a:lstStyle/>
-          <a:p>
-            <a:pPr>
-              <a:spcAft>
-                <a:spcPts val="600"/>
-              </a:spcAft>
-            </a:pPr>
-            <a:r>
-              <a:rPr lang="en-US" sz="1100" dirty="0"/>
-              <a:t>*Names sorted alphabetically.</a:t>
-            </a:r>
-            <a:endParaRPr lang="en-US" sz="1100"/>
-          </a:p>
-        </p:txBody>
-      </p:sp>
     </p:spTree>
     <p:extLst>
       <p:ext uri="{BB962C8B-B14F-4D97-AF65-F5344CB8AC3E}">
@@ -4045,7 +4001,7 @@
           <p:cNvPr id="2" name="Title 1">
             <a:extLst>
               <a:ext uri="{FF2B5EF4-FFF2-40B4-BE49-F238E27FC236}">
-                <a16:creationId xmlns:a16="http://schemas.microsoft.com/office/drawing/2014/main" id="{8EEA1DBF-2955-47B1-9755-AC2A25A14966}"/>
+                <a16:creationId xmlns:a16="http://schemas.microsoft.com/office/drawing/2014/main" id="{6DF8F5D1-DB54-454B-A214-A59F8A850B32}"/>
               </a:ext>
             </a:extLst>
           </p:cNvPr>
@@ -4063,26 +4019,24 @@
           <a:p>
             <a:r>
               <a:rPr lang="en-US" dirty="0"/>
-              <a:t>UI – Home page</a:t>
+              <a:t>Flutter Webpage</a:t>
             </a:r>
           </a:p>
         </p:txBody>
       </p:sp>
       <p:pic>
         <p:nvPicPr>
-          <p:cNvPr id="5" name="Content Placeholder 4" descr="Graphical user interface&#10;&#10;Description automatically generated">
-            <a:extLst>
-              <a:ext uri="{FF2B5EF4-FFF2-40B4-BE49-F238E27FC236}">
-                <a16:creationId xmlns:a16="http://schemas.microsoft.com/office/drawing/2014/main" id="{A1279BCA-FA54-418A-AF9B-296C9464EFF9}"/>
+          <p:cNvPr id="5" name="Picture 4">
+            <a:extLst>
+              <a:ext uri="{FF2B5EF4-FFF2-40B4-BE49-F238E27FC236}">
+                <a16:creationId xmlns:a16="http://schemas.microsoft.com/office/drawing/2014/main" id="{193650AD-71A4-43D2-A624-FEF927DCF8FD}"/>
               </a:ext>
             </a:extLst>
           </p:cNvPr>
           <p:cNvPicPr>
-            <a:picLocks noGrp="1" noChangeAspect="1"/>
+            <a:picLocks noChangeAspect="1"/>
           </p:cNvPicPr>
-          <p:nvPr>
-            <p:ph idx="1"/>
-          </p:nvPr>
+          <p:nvPr/>
         </p:nvPicPr>
         <p:blipFill>
           <a:blip r:embed="rId2"/>
@@ -4092,276 +4046,18 @@
         </p:blipFill>
         <p:spPr>
           <a:xfrm>
-            <a:off x="1996604" y="1825625"/>
-            <a:ext cx="8198791" cy="4351338"/>
+            <a:off x="1600201" y="1574455"/>
+            <a:ext cx="9010649" cy="5017079"/>
           </a:xfrm>
+          <a:prstGeom prst="rect">
+            <a:avLst/>
+          </a:prstGeom>
         </p:spPr>
       </p:pic>
     </p:spTree>
     <p:extLst>
       <p:ext uri="{BB962C8B-B14F-4D97-AF65-F5344CB8AC3E}">
-        <p14:creationId xmlns:p14="http://schemas.microsoft.com/office/powerpoint/2010/main" val="3064369354"/>
-      </p:ext>
-    </p:extLst>
-  </p:cSld>
-  <p:clrMapOvr>
-    <a:masterClrMapping/>
-  </p:clrMapOvr>
-</p:sld>
-</file>
-
-<file path=ppt/slides/slide11.xml><?xml version="1.0" encoding="utf-8"?>
-<p:sld xmlns:a="http://schemas.openxmlformats.org/drawingml/2006/main" xmlns:r="http://schemas.openxmlformats.org/officeDocument/2006/relationships" xmlns:p="http://schemas.openxmlformats.org/presentationml/2006/main">
-  <p:cSld>
-    <p:spTree>
-      <p:nvGrpSpPr>
-        <p:cNvPr id="1" name=""/>
-        <p:cNvGrpSpPr/>
-        <p:nvPr/>
-      </p:nvGrpSpPr>
-      <p:grpSpPr>
-        <a:xfrm>
-          <a:off x="0" y="0"/>
-          <a:ext cx="0" cy="0"/>
-          <a:chOff x="0" y="0"/>
-          <a:chExt cx="0" cy="0"/>
-        </a:xfrm>
-      </p:grpSpPr>
-      <p:sp>
-        <p:nvSpPr>
-          <p:cNvPr id="2" name="Title 1">
-            <a:extLst>
-              <a:ext uri="{FF2B5EF4-FFF2-40B4-BE49-F238E27FC236}">
-                <a16:creationId xmlns:a16="http://schemas.microsoft.com/office/drawing/2014/main" id="{7FC68995-F9B0-4E64-9400-1DC82883A6A1}"/>
-              </a:ext>
-            </a:extLst>
-          </p:cNvPr>
-          <p:cNvSpPr>
-            <a:spLocks noGrp="1"/>
-          </p:cNvSpPr>
-          <p:nvPr>
-            <p:ph type="title"/>
-          </p:nvPr>
-        </p:nvSpPr>
-        <p:spPr/>
-        <p:txBody>
-          <a:bodyPr/>
-          <a:lstStyle/>
-          <a:p>
-            <a:r>
-              <a:rPr lang="en-US" dirty="0"/>
-              <a:t>UI – Menu</a:t>
-            </a:r>
-          </a:p>
-        </p:txBody>
-      </p:sp>
-      <p:pic>
-        <p:nvPicPr>
-          <p:cNvPr id="5" name="Content Placeholder 4" descr="Graphical user interface, text, application&#10;&#10;Description automatically generated">
-            <a:extLst>
-              <a:ext uri="{FF2B5EF4-FFF2-40B4-BE49-F238E27FC236}">
-                <a16:creationId xmlns:a16="http://schemas.microsoft.com/office/drawing/2014/main" id="{2A6B46D7-F289-4FA5-B230-20B6BDBE2738}"/>
-              </a:ext>
-            </a:extLst>
-          </p:cNvPr>
-          <p:cNvPicPr>
-            <a:picLocks noGrp="1" noChangeAspect="1"/>
-          </p:cNvPicPr>
-          <p:nvPr>
-            <p:ph idx="1"/>
-          </p:nvPr>
-        </p:nvPicPr>
-        <p:blipFill>
-          <a:blip r:embed="rId2"/>
-          <a:stretch>
-            <a:fillRect/>
-          </a:stretch>
-        </p:blipFill>
-        <p:spPr>
-          <a:xfrm>
-            <a:off x="2006765" y="1825625"/>
-            <a:ext cx="8178469" cy="4351338"/>
-          </a:xfrm>
-        </p:spPr>
-      </p:pic>
-    </p:spTree>
-    <p:extLst>
-      <p:ext uri="{BB962C8B-B14F-4D97-AF65-F5344CB8AC3E}">
-        <p14:creationId xmlns:p14="http://schemas.microsoft.com/office/powerpoint/2010/main" val="3158551176"/>
-      </p:ext>
-    </p:extLst>
-  </p:cSld>
-  <p:clrMapOvr>
-    <a:masterClrMapping/>
-  </p:clrMapOvr>
-</p:sld>
-</file>
-
-<file path=ppt/slides/slide12.xml><?xml version="1.0" encoding="utf-8"?>
-<p:sld xmlns:a="http://schemas.openxmlformats.org/drawingml/2006/main" xmlns:r="http://schemas.openxmlformats.org/officeDocument/2006/relationships" xmlns:p="http://schemas.openxmlformats.org/presentationml/2006/main">
-  <p:cSld>
-    <p:spTree>
-      <p:nvGrpSpPr>
-        <p:cNvPr id="1" name=""/>
-        <p:cNvGrpSpPr/>
-        <p:nvPr/>
-      </p:nvGrpSpPr>
-      <p:grpSpPr>
-        <a:xfrm>
-          <a:off x="0" y="0"/>
-          <a:ext cx="0" cy="0"/>
-          <a:chOff x="0" y="0"/>
-          <a:chExt cx="0" cy="0"/>
-        </a:xfrm>
-      </p:grpSpPr>
-      <p:sp>
-        <p:nvSpPr>
-          <p:cNvPr id="2" name="Title 1">
-            <a:extLst>
-              <a:ext uri="{FF2B5EF4-FFF2-40B4-BE49-F238E27FC236}">
-                <a16:creationId xmlns:a16="http://schemas.microsoft.com/office/drawing/2014/main" id="{1D313705-BAE8-4C9A-B691-6AD89FAB78BB}"/>
-              </a:ext>
-            </a:extLst>
-          </p:cNvPr>
-          <p:cNvSpPr>
-            <a:spLocks noGrp="1"/>
-          </p:cNvSpPr>
-          <p:nvPr>
-            <p:ph type="title"/>
-          </p:nvPr>
-        </p:nvSpPr>
-        <p:spPr/>
-        <p:txBody>
-          <a:bodyPr/>
-          <a:lstStyle/>
-          <a:p>
-            <a:r>
-              <a:rPr lang="en-US" dirty="0"/>
-              <a:t>UI – Stats page</a:t>
-            </a:r>
-          </a:p>
-        </p:txBody>
-      </p:sp>
-      <p:pic>
-        <p:nvPicPr>
-          <p:cNvPr id="5" name="Content Placeholder 4" descr="Graphical user interface, text, application&#10;&#10;Description automatically generated">
-            <a:extLst>
-              <a:ext uri="{FF2B5EF4-FFF2-40B4-BE49-F238E27FC236}">
-                <a16:creationId xmlns:a16="http://schemas.microsoft.com/office/drawing/2014/main" id="{C77C2836-6257-494F-8DE5-49B58AD4E32E}"/>
-              </a:ext>
-            </a:extLst>
-          </p:cNvPr>
-          <p:cNvPicPr>
-            <a:picLocks noGrp="1" noChangeAspect="1"/>
-          </p:cNvPicPr>
-          <p:nvPr>
-            <p:ph idx="1"/>
-          </p:nvPr>
-        </p:nvPicPr>
-        <p:blipFill>
-          <a:blip r:embed="rId2"/>
-          <a:stretch>
-            <a:fillRect/>
-          </a:stretch>
-        </p:blipFill>
-        <p:spPr>
-          <a:xfrm>
-            <a:off x="2000623" y="1825625"/>
-            <a:ext cx="8190754" cy="4351338"/>
-          </a:xfrm>
-        </p:spPr>
-      </p:pic>
-    </p:spTree>
-    <p:extLst>
-      <p:ext uri="{BB962C8B-B14F-4D97-AF65-F5344CB8AC3E}">
-        <p14:creationId xmlns:p14="http://schemas.microsoft.com/office/powerpoint/2010/main" val="1178058308"/>
-      </p:ext>
-    </p:extLst>
-  </p:cSld>
-  <p:clrMapOvr>
-    <a:masterClrMapping/>
-  </p:clrMapOvr>
-</p:sld>
-</file>
-
-<file path=ppt/slides/slide13.xml><?xml version="1.0" encoding="utf-8"?>
-<p:sld xmlns:a="http://schemas.openxmlformats.org/drawingml/2006/main" xmlns:r="http://schemas.openxmlformats.org/officeDocument/2006/relationships" xmlns:p="http://schemas.openxmlformats.org/presentationml/2006/main">
-  <p:cSld>
-    <p:spTree>
-      <p:nvGrpSpPr>
-        <p:cNvPr id="1" name=""/>
-        <p:cNvGrpSpPr/>
-        <p:nvPr/>
-      </p:nvGrpSpPr>
-      <p:grpSpPr>
-        <a:xfrm>
-          <a:off x="0" y="0"/>
-          <a:ext cx="0" cy="0"/>
-          <a:chOff x="0" y="0"/>
-          <a:chExt cx="0" cy="0"/>
-        </a:xfrm>
-      </p:grpSpPr>
-      <p:sp>
-        <p:nvSpPr>
-          <p:cNvPr id="2" name="Title 1">
-            <a:extLst>
-              <a:ext uri="{FF2B5EF4-FFF2-40B4-BE49-F238E27FC236}">
-                <a16:creationId xmlns:a16="http://schemas.microsoft.com/office/drawing/2014/main" id="{1923C4C4-C0A6-4E59-BA2E-5DE6876E3B39}"/>
-              </a:ext>
-            </a:extLst>
-          </p:cNvPr>
-          <p:cNvSpPr>
-            <a:spLocks noGrp="1"/>
-          </p:cNvSpPr>
-          <p:nvPr>
-            <p:ph type="title"/>
-          </p:nvPr>
-        </p:nvSpPr>
-        <p:spPr/>
-        <p:txBody>
-          <a:bodyPr/>
-          <a:lstStyle/>
-          <a:p>
-            <a:r>
-              <a:rPr lang="en-US" dirty="0"/>
-              <a:t>UI – Findings page</a:t>
-            </a:r>
-          </a:p>
-        </p:txBody>
-      </p:sp>
-      <p:pic>
-        <p:nvPicPr>
-          <p:cNvPr id="5" name="Content Placeholder 4" descr="Graphical user interface, text, application&#10;&#10;Description automatically generated">
-            <a:extLst>
-              <a:ext uri="{FF2B5EF4-FFF2-40B4-BE49-F238E27FC236}">
-                <a16:creationId xmlns:a16="http://schemas.microsoft.com/office/drawing/2014/main" id="{E569A64C-C447-4D2A-82C2-7A34554FA11E}"/>
-              </a:ext>
-            </a:extLst>
-          </p:cNvPr>
-          <p:cNvPicPr>
-            <a:picLocks noGrp="1" noChangeAspect="1"/>
-          </p:cNvPicPr>
-          <p:nvPr>
-            <p:ph idx="1"/>
-          </p:nvPr>
-        </p:nvPicPr>
-        <p:blipFill>
-          <a:blip r:embed="rId2"/>
-          <a:stretch>
-            <a:fillRect/>
-          </a:stretch>
-        </p:blipFill>
-        <p:spPr>
-          <a:xfrm>
-            <a:off x="1992577" y="1825625"/>
-            <a:ext cx="8206846" cy="4351338"/>
-          </a:xfrm>
-        </p:spPr>
-      </p:pic>
-    </p:spTree>
-    <p:extLst>
-      <p:ext uri="{BB962C8B-B14F-4D97-AF65-F5344CB8AC3E}">
-        <p14:creationId xmlns:p14="http://schemas.microsoft.com/office/powerpoint/2010/main" val="1422245529"/>
+        <p14:creationId xmlns:p14="http://schemas.microsoft.com/office/powerpoint/2010/main" val="2960014775"/>
       </p:ext>
     </p:extLst>
   </p:cSld>
@@ -4411,7 +4107,7 @@
           <a:p>
             <a:r>
               <a:rPr lang="en-US" dirty="0"/>
-              <a:t>Motivation</a:t>
+              <a:t>Explanation</a:t>
             </a:r>
           </a:p>
         </p:txBody>
@@ -4945,41 +4641,238 @@
           <a:p>
             <a:r>
               <a:rPr lang="en-US" dirty="0"/>
-              <a:t>Compiling a OpenCV</a:t>
-            </a:r>
-          </a:p>
-        </p:txBody>
-      </p:sp>
-      <p:pic>
-        <p:nvPicPr>
-          <p:cNvPr id="5" name="Picture 4">
-            <a:extLst>
-              <a:ext uri="{FF2B5EF4-FFF2-40B4-BE49-F238E27FC236}">
-                <a16:creationId xmlns:a16="http://schemas.microsoft.com/office/drawing/2014/main" id="{B855130C-3F94-8241-BD80-A24A7B8684FA}"/>
-              </a:ext>
-            </a:extLst>
-          </p:cNvPr>
-          <p:cNvPicPr>
-            <a:picLocks noChangeAspect="1"/>
-          </p:cNvPicPr>
+              <a:t>UI</a:t>
+            </a:r>
+          </a:p>
+        </p:txBody>
+      </p:sp>
+      <p:sp>
+        <p:nvSpPr>
+          <p:cNvPr id="4" name="Content Placeholder 2">
+            <a:extLst>
+              <a:ext uri="{FF2B5EF4-FFF2-40B4-BE49-F238E27FC236}">
+                <a16:creationId xmlns:a16="http://schemas.microsoft.com/office/drawing/2014/main" id="{36C856F0-9F07-4373-8F67-80B33733DC90}"/>
+              </a:ext>
+            </a:extLst>
+          </p:cNvPr>
+          <p:cNvSpPr>
+            <a:spLocks noGrp="1"/>
+          </p:cNvSpPr>
           <p:nvPr/>
-        </p:nvPicPr>
-        <p:blipFill>
-          <a:blip r:embed="rId2"/>
-          <a:stretch>
-            <a:fillRect/>
-          </a:stretch>
-        </p:blipFill>
+        </p:nvSpPr>
         <p:spPr>
           <a:xfrm>
-            <a:off x="1888593" y="1810808"/>
-            <a:ext cx="8414814" cy="5047192"/>
+            <a:off x="838200" y="1690688"/>
+            <a:ext cx="10515600" cy="4351338"/>
           </a:xfrm>
           <a:prstGeom prst="rect">
             <a:avLst/>
           </a:prstGeom>
         </p:spPr>
-      </p:pic>
+        <p:txBody>
+          <a:bodyPr vert="horz" lIns="91440" tIns="45720" rIns="91440" bIns="45720" rtlCol="0">
+            <a:normAutofit/>
+          </a:bodyPr>
+          <a:lstStyle>
+            <a:lvl1pPr marL="228600" indent="-228600" algn="l" defTabSz="914400" rtl="0" eaLnBrk="1" latinLnBrk="0" hangingPunct="1">
+              <a:lnSpc>
+                <a:spcPct val="90000"/>
+              </a:lnSpc>
+              <a:spcBef>
+                <a:spcPts val="1000"/>
+              </a:spcBef>
+              <a:buFont typeface="Arial" panose="020B0604020202020204" pitchFamily="34" charset="0"/>
+              <a:buChar char="•"/>
+              <a:defRPr sz="2800" kern="1200">
+                <a:solidFill>
+                  <a:schemeClr val="tx1"/>
+                </a:solidFill>
+                <a:latin typeface="+mn-lt"/>
+                <a:ea typeface="+mn-ea"/>
+                <a:cs typeface="+mn-cs"/>
+              </a:defRPr>
+            </a:lvl1pPr>
+            <a:lvl2pPr marL="685800" indent="-228600" algn="l" defTabSz="914400" rtl="0" eaLnBrk="1" latinLnBrk="0" hangingPunct="1">
+              <a:lnSpc>
+                <a:spcPct val="90000"/>
+              </a:lnSpc>
+              <a:spcBef>
+                <a:spcPts val="500"/>
+              </a:spcBef>
+              <a:buFont typeface="Arial" panose="020B0604020202020204" pitchFamily="34" charset="0"/>
+              <a:buChar char="•"/>
+              <a:defRPr sz="2400" kern="1200">
+                <a:solidFill>
+                  <a:schemeClr val="tx1"/>
+                </a:solidFill>
+                <a:latin typeface="+mn-lt"/>
+                <a:ea typeface="+mn-ea"/>
+                <a:cs typeface="+mn-cs"/>
+              </a:defRPr>
+            </a:lvl2pPr>
+            <a:lvl3pPr marL="1143000" indent="-228600" algn="l" defTabSz="914400" rtl="0" eaLnBrk="1" latinLnBrk="0" hangingPunct="1">
+              <a:lnSpc>
+                <a:spcPct val="90000"/>
+              </a:lnSpc>
+              <a:spcBef>
+                <a:spcPts val="500"/>
+              </a:spcBef>
+              <a:buFont typeface="Arial" panose="020B0604020202020204" pitchFamily="34" charset="0"/>
+              <a:buChar char="•"/>
+              <a:defRPr sz="2000" kern="1200">
+                <a:solidFill>
+                  <a:schemeClr val="tx1"/>
+                </a:solidFill>
+                <a:latin typeface="+mn-lt"/>
+                <a:ea typeface="+mn-ea"/>
+                <a:cs typeface="+mn-cs"/>
+              </a:defRPr>
+            </a:lvl3pPr>
+            <a:lvl4pPr marL="1600200" indent="-228600" algn="l" defTabSz="914400" rtl="0" eaLnBrk="1" latinLnBrk="0" hangingPunct="1">
+              <a:lnSpc>
+                <a:spcPct val="90000"/>
+              </a:lnSpc>
+              <a:spcBef>
+                <a:spcPts val="500"/>
+              </a:spcBef>
+              <a:buFont typeface="Arial" panose="020B0604020202020204" pitchFamily="34" charset="0"/>
+              <a:buChar char="•"/>
+              <a:defRPr sz="1800" kern="1200">
+                <a:solidFill>
+                  <a:schemeClr val="tx1"/>
+                </a:solidFill>
+                <a:latin typeface="+mn-lt"/>
+                <a:ea typeface="+mn-ea"/>
+                <a:cs typeface="+mn-cs"/>
+              </a:defRPr>
+            </a:lvl4pPr>
+            <a:lvl5pPr marL="2057400" indent="-228600" algn="l" defTabSz="914400" rtl="0" eaLnBrk="1" latinLnBrk="0" hangingPunct="1">
+              <a:lnSpc>
+                <a:spcPct val="90000"/>
+              </a:lnSpc>
+              <a:spcBef>
+                <a:spcPts val="500"/>
+              </a:spcBef>
+              <a:buFont typeface="Arial" panose="020B0604020202020204" pitchFamily="34" charset="0"/>
+              <a:buChar char="•"/>
+              <a:defRPr sz="1800" kern="1200">
+                <a:solidFill>
+                  <a:schemeClr val="tx1"/>
+                </a:solidFill>
+                <a:latin typeface="+mn-lt"/>
+                <a:ea typeface="+mn-ea"/>
+                <a:cs typeface="+mn-cs"/>
+              </a:defRPr>
+            </a:lvl5pPr>
+            <a:lvl6pPr marL="2514600" indent="-228600" algn="l" defTabSz="914400" rtl="0" eaLnBrk="1" latinLnBrk="0" hangingPunct="1">
+              <a:lnSpc>
+                <a:spcPct val="90000"/>
+              </a:lnSpc>
+              <a:spcBef>
+                <a:spcPts val="500"/>
+              </a:spcBef>
+              <a:buFont typeface="Arial" panose="020B0604020202020204" pitchFamily="34" charset="0"/>
+              <a:buChar char="•"/>
+              <a:defRPr sz="1800" kern="1200">
+                <a:solidFill>
+                  <a:schemeClr val="tx1"/>
+                </a:solidFill>
+                <a:latin typeface="+mn-lt"/>
+                <a:ea typeface="+mn-ea"/>
+                <a:cs typeface="+mn-cs"/>
+              </a:defRPr>
+            </a:lvl6pPr>
+            <a:lvl7pPr marL="2971800" indent="-228600" algn="l" defTabSz="914400" rtl="0" eaLnBrk="1" latinLnBrk="0" hangingPunct="1">
+              <a:lnSpc>
+                <a:spcPct val="90000"/>
+              </a:lnSpc>
+              <a:spcBef>
+                <a:spcPts val="500"/>
+              </a:spcBef>
+              <a:buFont typeface="Arial" panose="020B0604020202020204" pitchFamily="34" charset="0"/>
+              <a:buChar char="•"/>
+              <a:defRPr sz="1800" kern="1200">
+                <a:solidFill>
+                  <a:schemeClr val="tx1"/>
+                </a:solidFill>
+                <a:latin typeface="+mn-lt"/>
+                <a:ea typeface="+mn-ea"/>
+                <a:cs typeface="+mn-cs"/>
+              </a:defRPr>
+            </a:lvl7pPr>
+            <a:lvl8pPr marL="3429000" indent="-228600" algn="l" defTabSz="914400" rtl="0" eaLnBrk="1" latinLnBrk="0" hangingPunct="1">
+              <a:lnSpc>
+                <a:spcPct val="90000"/>
+              </a:lnSpc>
+              <a:spcBef>
+                <a:spcPts val="500"/>
+              </a:spcBef>
+              <a:buFont typeface="Arial" panose="020B0604020202020204" pitchFamily="34" charset="0"/>
+              <a:buChar char="•"/>
+              <a:defRPr sz="1800" kern="1200">
+                <a:solidFill>
+                  <a:schemeClr val="tx1"/>
+                </a:solidFill>
+                <a:latin typeface="+mn-lt"/>
+                <a:ea typeface="+mn-ea"/>
+                <a:cs typeface="+mn-cs"/>
+              </a:defRPr>
+            </a:lvl8pPr>
+            <a:lvl9pPr marL="3886200" indent="-228600" algn="l" defTabSz="914400" rtl="0" eaLnBrk="1" latinLnBrk="0" hangingPunct="1">
+              <a:lnSpc>
+                <a:spcPct val="90000"/>
+              </a:lnSpc>
+              <a:spcBef>
+                <a:spcPts val="500"/>
+              </a:spcBef>
+              <a:buFont typeface="Arial" panose="020B0604020202020204" pitchFamily="34" charset="0"/>
+              <a:buChar char="•"/>
+              <a:defRPr sz="1800" kern="1200">
+                <a:solidFill>
+                  <a:schemeClr val="tx1"/>
+                </a:solidFill>
+                <a:latin typeface="+mn-lt"/>
+                <a:ea typeface="+mn-ea"/>
+                <a:cs typeface="+mn-cs"/>
+              </a:defRPr>
+            </a:lvl9pPr>
+          </a:lstStyle>
+          <a:p>
+            <a:r>
+              <a:rPr lang="en-US" dirty="0"/>
+              <a:t>UI was created separately on Windows 10 with the latest version of Flutter (</a:t>
+            </a:r>
+            <a:r>
+              <a:rPr lang="en-US" dirty="0">
+                <a:hlinkClick r:id="rId2"/>
+              </a:rPr>
+              <a:t>https://flutter.dev/</a:t>
+            </a:r>
+            <a:r>
+              <a:rPr lang="en-US" dirty="0"/>
+              <a:t>).</a:t>
+            </a:r>
+          </a:p>
+          <a:p>
+            <a:r>
+              <a:rPr lang="en-US" dirty="0"/>
+              <a:t>Plan was to provide an interface to better display statistics and findings of the scans/pictures. </a:t>
+            </a:r>
+          </a:p>
+          <a:p>
+            <a:r>
+              <a:rPr lang="en-US" dirty="0"/>
+              <a:t>Another planned feature was to allow the download of these as well.</a:t>
+            </a:r>
+          </a:p>
+          <a:p>
+            <a:r>
+              <a:rPr lang="en-US" dirty="0"/>
+              <a:t>Home page was meant to show a view of a camera and detect objects from there so they can be processed/coordinated with OpenCV and model.</a:t>
+            </a:r>
+          </a:p>
+        </p:txBody>
+      </p:sp>
     </p:spTree>
     <p:extLst>
       <p:ext uri="{BB962C8B-B14F-4D97-AF65-F5344CB8AC3E}">
@@ -5015,7 +4908,7 @@
           <p:cNvPr id="2" name="Title 1">
             <a:extLst>
               <a:ext uri="{FF2B5EF4-FFF2-40B4-BE49-F238E27FC236}">
-                <a16:creationId xmlns:a16="http://schemas.microsoft.com/office/drawing/2014/main" id="{A86BCDD1-209F-4A0C-9C90-D2D25C820170}"/>
+                <a16:creationId xmlns:a16="http://schemas.microsoft.com/office/drawing/2014/main" id="{6DF8F5D1-DB54-454B-A214-A59F8A850B32}"/>
               </a:ext>
             </a:extLst>
           </p:cNvPr>
@@ -5033,76 +4926,45 @@
           <a:p>
             <a:r>
               <a:rPr lang="en-US" dirty="0"/>
-              <a:t>UI</a:t>
-            </a:r>
-          </a:p>
-        </p:txBody>
-      </p:sp>
-      <p:sp>
-        <p:nvSpPr>
-          <p:cNvPr id="3" name="Content Placeholder 2">
-            <a:extLst>
-              <a:ext uri="{FF2B5EF4-FFF2-40B4-BE49-F238E27FC236}">
-                <a16:creationId xmlns:a16="http://schemas.microsoft.com/office/drawing/2014/main" id="{36C856F0-9F07-4373-8F67-80B33733DC90}"/>
-              </a:ext>
-            </a:extLst>
-          </p:cNvPr>
-          <p:cNvSpPr>
-            <a:spLocks noGrp="1"/>
-          </p:cNvSpPr>
-          <p:nvPr>
-            <p:ph idx="1"/>
-          </p:nvPr>
-        </p:nvSpPr>
-        <p:spPr/>
-        <p:txBody>
-          <a:bodyPr/>
-          <a:lstStyle/>
-          <a:p>
-            <a:r>
-              <a:rPr lang="en-US" dirty="0"/>
-              <a:t>UI was created separately on Windows 10 with the latest version of Flutter (</a:t>
-            </a:r>
-            <a:r>
-              <a:rPr lang="en-US" dirty="0">
-                <a:hlinkClick r:id="rId2"/>
-              </a:rPr>
-              <a:t>https://flutter.dev/</a:t>
-            </a:r>
-            <a:r>
-              <a:rPr lang="en-US" dirty="0"/>
-              <a:t>).</a:t>
-            </a:r>
-          </a:p>
-          <a:p>
-            <a:r>
-              <a:rPr lang="en-US" dirty="0"/>
-              <a:t>Plan was to provide an interface to better display statistics and findings of the scans/pictures. </a:t>
-            </a:r>
-          </a:p>
-          <a:p>
-            <a:r>
-              <a:rPr lang="en-US" dirty="0"/>
-              <a:t>Another planned feature was to allow the download of these as well.</a:t>
-            </a:r>
-          </a:p>
-          <a:p>
-            <a:r>
-              <a:rPr lang="en-US" dirty="0"/>
-              <a:t>Home page was meant to show a view of a camera and detect objects from there so they can be processed/coordinated with OpenCV </a:t>
-            </a:r>
-            <a:r>
-              <a:rPr lang="en-US"/>
-              <a:t>and model.</a:t>
-            </a:r>
-            <a:endParaRPr lang="en-US" dirty="0"/>
-          </a:p>
-        </p:txBody>
-      </p:sp>
+              <a:t>Car Brand detection</a:t>
+            </a:r>
+          </a:p>
+        </p:txBody>
+      </p:sp>
+      <p:pic>
+        <p:nvPicPr>
+          <p:cNvPr id="4" name="Picture 3">
+            <a:extLst>
+              <a:ext uri="{FF2B5EF4-FFF2-40B4-BE49-F238E27FC236}">
+                <a16:creationId xmlns:a16="http://schemas.microsoft.com/office/drawing/2014/main" id="{CB701A0F-EF3B-4D1E-9495-88F3838B790F}"/>
+              </a:ext>
+            </a:extLst>
+          </p:cNvPr>
+          <p:cNvPicPr>
+            <a:picLocks noChangeAspect="1"/>
+          </p:cNvPicPr>
+          <p:nvPr/>
+        </p:nvPicPr>
+        <p:blipFill>
+          <a:blip r:embed="rId2"/>
+          <a:stretch>
+            <a:fillRect/>
+          </a:stretch>
+        </p:blipFill>
+        <p:spPr>
+          <a:xfrm>
+            <a:off x="2514600" y="1690688"/>
+            <a:ext cx="5410200" cy="5100637"/>
+          </a:xfrm>
+          <a:prstGeom prst="rect">
+            <a:avLst/>
+          </a:prstGeom>
+        </p:spPr>
+      </p:pic>
     </p:spTree>
     <p:extLst>
       <p:ext uri="{BB962C8B-B14F-4D97-AF65-F5344CB8AC3E}">
-        <p14:creationId xmlns:p14="http://schemas.microsoft.com/office/powerpoint/2010/main" val="1340263466"/>
+        <p14:creationId xmlns:p14="http://schemas.microsoft.com/office/powerpoint/2010/main" val="1548611160"/>
       </p:ext>
     </p:extLst>
   </p:cSld>
